--- a/files/microbit/06-Networking.pptx
+++ b/files/microbit/06-Networking.pptx
@@ -4030,6 +4030,7 @@
                 <a:solidFill>
                   <a:schemeClr val="lt1"/>
                 </a:solidFill>
+                <a:latin typeface="Atkinson Hyperlegible" pitchFamily="2" charset="0"/>
               </a:rPr>
               <a:t>Lesson 6</a:t>
             </a:r>
@@ -4081,6 +4082,7 @@
                 <a:solidFill>
                   <a:schemeClr val="lt1"/>
                 </a:solidFill>
+                <a:latin typeface="Atkinson Hyperlegible" pitchFamily="2" charset="0"/>
               </a:rPr>
               <a:t>Networking</a:t>
             </a:r>
@@ -4132,9 +4134,7 @@
               <a:solidFill>
                 <a:srgbClr val="000000"/>
               </a:solidFill>
-              <a:latin typeface="Arial"/>
-              <a:ea typeface="Arial"/>
-              <a:cs typeface="Arial"/>
+              <a:latin typeface="Atkinson Hyperlegible" pitchFamily="2" charset="0"/>
               <a:sym typeface="Arial"/>
             </a:endParaRPr>
           </a:p>
@@ -4263,6 +4263,250 @@
           </a:extLst>
         </p:spPr>
       </p:pic>
+      <p:sp>
+        <p:nvSpPr>
+          <p:cNvPr id="2" name="Shape 94">
+            <a:extLst>
+              <a:ext uri="{FF2B5EF4-FFF2-40B4-BE49-F238E27FC236}">
+                <a16:creationId xmlns:a16="http://schemas.microsoft.com/office/drawing/2014/main" id="{EF2317F2-40C1-D197-E2D1-D52CD4841167}"/>
+              </a:ext>
+            </a:extLst>
+          </p:cNvPr>
+          <p:cNvSpPr txBox="1">
+            <a:spLocks/>
+          </p:cNvSpPr>
+          <p:nvPr/>
+        </p:nvSpPr>
+        <p:spPr>
+          <a:xfrm>
+            <a:off x="175189" y="0"/>
+            <a:ext cx="8229600" cy="683699"/>
+          </a:xfrm>
+          <a:prstGeom prst="rect">
+            <a:avLst/>
+          </a:prstGeom>
+          <a:solidFill>
+            <a:srgbClr val="5CB343"/>
+          </a:solidFill>
+          <a:ln>
+            <a:noFill/>
+          </a:ln>
+        </p:spPr>
+        <p:txBody>
+          <a:bodyPr lIns="91425" tIns="91425" rIns="91425" bIns="91425" anchor="ctr" anchorCtr="0">
+            <a:noAutofit/>
+          </a:bodyPr>
+          <a:lstStyle>
+            <a:defPPr marR="0" lvl="0" algn="l" rtl="0">
+              <a:lnSpc>
+                <a:spcPct val="100000"/>
+              </a:lnSpc>
+              <a:spcBef>
+                <a:spcPts val="0"/>
+              </a:spcBef>
+              <a:spcAft>
+                <a:spcPts val="0"/>
+              </a:spcAft>
+            </a:defPPr>
+            <a:lvl1pPr marL="0" marR="0" lvl="0" indent="0" algn="l" rtl="0">
+              <a:lnSpc>
+                <a:spcPct val="100000"/>
+              </a:lnSpc>
+              <a:spcBef>
+                <a:spcPts val="0"/>
+              </a:spcBef>
+              <a:spcAft>
+                <a:spcPts val="0"/>
+              </a:spcAft>
+              <a:buClr>
+                <a:srgbClr val="FFFFFF"/>
+              </a:buClr>
+              <a:buSzPct val="100000"/>
+              <a:buFont typeface="Ubuntu"/>
+              <a:buNone/>
+              <a:defRPr sz="3000" b="1" i="0" u="none" strike="noStrike" cap="none">
+                <a:solidFill>
+                  <a:srgbClr val="FFFFFF"/>
+                </a:solidFill>
+                <a:latin typeface="Century Gothic" panose="020B0502020202020204" pitchFamily="34" charset="0"/>
+                <a:ea typeface="Century Gothic" panose="020B0502020202020204" pitchFamily="34" charset="0"/>
+                <a:cs typeface="Century Gothic" panose="020B0502020202020204" pitchFamily="34" charset="0"/>
+                <a:sym typeface="Ubuntu"/>
+                <a:rtl val="0"/>
+              </a:defRPr>
+            </a:lvl1pPr>
+            <a:lvl2pPr marL="0" marR="0" lvl="1" indent="0" algn="l" rtl="0">
+              <a:spcBef>
+                <a:spcPts val="0"/>
+              </a:spcBef>
+              <a:buClr>
+                <a:srgbClr val="FFFFFF"/>
+              </a:buClr>
+              <a:buSzPct val="100000"/>
+              <a:buFont typeface="Ubuntu"/>
+              <a:defRPr sz="3000" b="1">
+                <a:solidFill>
+                  <a:srgbClr val="FFFFFF"/>
+                </a:solidFill>
+                <a:latin typeface="Ubuntu"/>
+                <a:ea typeface="Ubuntu"/>
+                <a:cs typeface="Ubuntu"/>
+                <a:sym typeface="Ubuntu"/>
+              </a:defRPr>
+            </a:lvl2pPr>
+            <a:lvl3pPr marL="0" marR="0" lvl="2" indent="0" algn="l" rtl="0">
+              <a:spcBef>
+                <a:spcPts val="0"/>
+              </a:spcBef>
+              <a:buClr>
+                <a:srgbClr val="FFFFFF"/>
+              </a:buClr>
+              <a:buSzPct val="100000"/>
+              <a:buFont typeface="Ubuntu"/>
+              <a:defRPr sz="3000" b="1">
+                <a:solidFill>
+                  <a:srgbClr val="FFFFFF"/>
+                </a:solidFill>
+                <a:latin typeface="Ubuntu"/>
+                <a:ea typeface="Ubuntu"/>
+                <a:cs typeface="Ubuntu"/>
+                <a:sym typeface="Ubuntu"/>
+              </a:defRPr>
+            </a:lvl3pPr>
+            <a:lvl4pPr marL="0" marR="0" lvl="3" indent="0" algn="l" rtl="0">
+              <a:spcBef>
+                <a:spcPts val="0"/>
+              </a:spcBef>
+              <a:buClr>
+                <a:srgbClr val="FFFFFF"/>
+              </a:buClr>
+              <a:buSzPct val="100000"/>
+              <a:buFont typeface="Ubuntu"/>
+              <a:defRPr sz="3000" b="1">
+                <a:solidFill>
+                  <a:srgbClr val="FFFFFF"/>
+                </a:solidFill>
+                <a:latin typeface="Ubuntu"/>
+                <a:ea typeface="Ubuntu"/>
+                <a:cs typeface="Ubuntu"/>
+                <a:sym typeface="Ubuntu"/>
+              </a:defRPr>
+            </a:lvl4pPr>
+            <a:lvl5pPr marL="0" marR="0" lvl="4" indent="0" algn="l" rtl="0">
+              <a:spcBef>
+                <a:spcPts val="0"/>
+              </a:spcBef>
+              <a:buClr>
+                <a:srgbClr val="FFFFFF"/>
+              </a:buClr>
+              <a:buSzPct val="100000"/>
+              <a:buFont typeface="Ubuntu"/>
+              <a:defRPr sz="3000" b="1">
+                <a:solidFill>
+                  <a:srgbClr val="FFFFFF"/>
+                </a:solidFill>
+                <a:latin typeface="Ubuntu"/>
+                <a:ea typeface="Ubuntu"/>
+                <a:cs typeface="Ubuntu"/>
+                <a:sym typeface="Ubuntu"/>
+              </a:defRPr>
+            </a:lvl5pPr>
+            <a:lvl6pPr marL="0" marR="0" lvl="5" indent="0" algn="l" rtl="0">
+              <a:spcBef>
+                <a:spcPts val="0"/>
+              </a:spcBef>
+              <a:buClr>
+                <a:srgbClr val="FFFFFF"/>
+              </a:buClr>
+              <a:buSzPct val="100000"/>
+              <a:buFont typeface="Ubuntu"/>
+              <a:defRPr sz="3000" b="1">
+                <a:solidFill>
+                  <a:srgbClr val="FFFFFF"/>
+                </a:solidFill>
+                <a:latin typeface="Ubuntu"/>
+                <a:ea typeface="Ubuntu"/>
+                <a:cs typeface="Ubuntu"/>
+                <a:sym typeface="Ubuntu"/>
+              </a:defRPr>
+            </a:lvl6pPr>
+            <a:lvl7pPr marL="0" marR="0" lvl="6" indent="0" algn="l" rtl="0">
+              <a:spcBef>
+                <a:spcPts val="0"/>
+              </a:spcBef>
+              <a:buClr>
+                <a:srgbClr val="FFFFFF"/>
+              </a:buClr>
+              <a:buSzPct val="100000"/>
+              <a:buFont typeface="Ubuntu"/>
+              <a:defRPr sz="3000" b="1">
+                <a:solidFill>
+                  <a:srgbClr val="FFFFFF"/>
+                </a:solidFill>
+                <a:latin typeface="Ubuntu"/>
+                <a:ea typeface="Ubuntu"/>
+                <a:cs typeface="Ubuntu"/>
+                <a:sym typeface="Ubuntu"/>
+              </a:defRPr>
+            </a:lvl7pPr>
+            <a:lvl8pPr marL="0" marR="0" lvl="7" indent="0" algn="l" rtl="0">
+              <a:spcBef>
+                <a:spcPts val="0"/>
+              </a:spcBef>
+              <a:buClr>
+                <a:srgbClr val="FFFFFF"/>
+              </a:buClr>
+              <a:buSzPct val="100000"/>
+              <a:buFont typeface="Ubuntu"/>
+              <a:defRPr sz="3000" b="1">
+                <a:solidFill>
+                  <a:srgbClr val="FFFFFF"/>
+                </a:solidFill>
+                <a:latin typeface="Ubuntu"/>
+                <a:ea typeface="Ubuntu"/>
+                <a:cs typeface="Ubuntu"/>
+                <a:sym typeface="Ubuntu"/>
+              </a:defRPr>
+            </a:lvl8pPr>
+            <a:lvl9pPr marL="0" marR="0" lvl="8" indent="0" algn="l" rtl="0">
+              <a:spcBef>
+                <a:spcPts val="0"/>
+              </a:spcBef>
+              <a:buClr>
+                <a:srgbClr val="FFFFFF"/>
+              </a:buClr>
+              <a:buSzPct val="100000"/>
+              <a:buFont typeface="Ubuntu"/>
+              <a:defRPr sz="3000" b="1">
+                <a:solidFill>
+                  <a:srgbClr val="FFFFFF"/>
+                </a:solidFill>
+                <a:latin typeface="Ubuntu"/>
+                <a:ea typeface="Ubuntu"/>
+                <a:cs typeface="Ubuntu"/>
+                <a:sym typeface="Ubuntu"/>
+              </a:defRPr>
+            </a:lvl9pPr>
+          </a:lstStyle>
+          <a:p>
+            <a:r>
+              <a:rPr lang="en-GB" b="0" dirty="0">
+                <a:latin typeface="Atkinson Hyperlegible" pitchFamily="2" charset="0"/>
+              </a:rPr>
+              <a:t>BBC </a:t>
+            </a:r>
+            <a:r>
+              <a:rPr lang="en-GB" b="0" dirty="0" err="1">
+                <a:latin typeface="Atkinson Hyperlegible" pitchFamily="2" charset="0"/>
+              </a:rPr>
+              <a:t>Micro:bit</a:t>
+            </a:r>
+            <a:endParaRPr lang="en-GB" b="0" dirty="0">
+              <a:latin typeface="Atkinson Hyperlegible" pitchFamily="2" charset="0"/>
+            </a:endParaRPr>
+          </a:p>
+        </p:txBody>
+      </p:sp>
     </p:spTree>
   </p:cSld>
   <p:clrMapOvr>
@@ -4323,7 +4567,9 @@
               <a:buNone/>
             </a:pPr>
             <a:r>
-              <a:rPr lang="en-GB" dirty="0"/>
+              <a:rPr lang="en-GB" dirty="0">
+                <a:latin typeface="Atkinson Hyperlegible" pitchFamily="2" charset="0"/>
+              </a:rPr>
               <a:t>Activity 6.4</a:t>
             </a:r>
           </a:p>
@@ -4360,7 +4606,7 @@
           </a:bodyPr>
           <a:lstStyle/>
           <a:p>
-            <a:pPr lvl="0" algn="ctr">
+            <a:pPr lvl="0">
               <a:buClr>
                 <a:srgbClr val="003565"/>
               </a:buClr>
@@ -4371,7 +4617,7 @@
                 <a:solidFill>
                   <a:schemeClr val="tx1"/>
                 </a:solidFill>
-                <a:latin typeface="Century Gothic" panose="020B0502020202020204" pitchFamily="34" charset="0"/>
+                <a:latin typeface="Atkinson Hyperlegible" pitchFamily="2" charset="0"/>
                 <a:ea typeface="Ubuntu"/>
                 <a:cs typeface="Ubuntu"/>
                 <a:sym typeface="Ubuntu"/>
@@ -4412,7 +4658,7 @@
           </a:bodyPr>
           <a:lstStyle/>
           <a:p>
-            <a:pPr lvl="0" algn="ctr">
+            <a:pPr lvl="0">
               <a:buClr>
                 <a:srgbClr val="003565"/>
               </a:buClr>
@@ -4423,7 +4669,7 @@
                 <a:solidFill>
                   <a:schemeClr val="tx1"/>
                 </a:solidFill>
-                <a:latin typeface="Century Gothic" panose="020B0502020202020204" pitchFamily="34" charset="0"/>
+                <a:latin typeface="Atkinson Hyperlegible" pitchFamily="2" charset="0"/>
                 <a:ea typeface="Ubuntu"/>
                 <a:cs typeface="Ubuntu"/>
                 <a:sym typeface="Ubuntu"/>
@@ -4498,7 +4744,9 @@
               <a:buNone/>
             </a:pPr>
             <a:r>
-              <a:rPr lang="en-GB" dirty="0"/>
+              <a:rPr lang="en-GB" dirty="0">
+                <a:latin typeface="Atkinson Hyperlegible" pitchFamily="2" charset="0"/>
+              </a:rPr>
               <a:t>Extension</a:t>
             </a:r>
           </a:p>
@@ -4535,7 +4783,7 @@
           </a:bodyPr>
           <a:lstStyle/>
           <a:p>
-            <a:pPr lvl="0" algn="ctr">
+            <a:pPr lvl="0">
               <a:buClr>
                 <a:srgbClr val="003565"/>
               </a:buClr>
@@ -4546,7 +4794,7 @@
                 <a:solidFill>
                   <a:schemeClr val="tx1"/>
                 </a:solidFill>
-                <a:latin typeface="Century Gothic" panose="020B0502020202020204" pitchFamily="34" charset="0"/>
+                <a:latin typeface="Atkinson Hyperlegible" pitchFamily="2" charset="0"/>
                 <a:ea typeface="Ubuntu"/>
                 <a:cs typeface="Ubuntu"/>
                 <a:sym typeface="Ubuntu"/>
@@ -4587,7 +4835,7 @@
           </a:bodyPr>
           <a:lstStyle/>
           <a:p>
-            <a:pPr lvl="0" algn="ctr">
+            <a:pPr lvl="0">
               <a:buClr>
                 <a:srgbClr val="003565"/>
               </a:buClr>
@@ -4598,7 +4846,7 @@
                 <a:solidFill>
                   <a:schemeClr val="tx1"/>
                 </a:solidFill>
-                <a:latin typeface="Century Gothic" panose="020B0502020202020204" pitchFamily="34" charset="0"/>
+                <a:latin typeface="Atkinson Hyperlegible" pitchFamily="2" charset="0"/>
                 <a:ea typeface="Ubuntu"/>
                 <a:cs typeface="Ubuntu"/>
                 <a:sym typeface="Ubuntu"/>
@@ -4673,7 +4921,9 @@
               <a:buNone/>
             </a:pPr>
             <a:r>
-              <a:rPr lang="en-GB" dirty="0"/>
+              <a:rPr lang="en-GB" dirty="0">
+                <a:latin typeface="Atkinson Hyperlegible" pitchFamily="2" charset="0"/>
+              </a:rPr>
               <a:t>Networking</a:t>
             </a:r>
           </a:p>
@@ -4710,7 +4960,7 @@
           </a:bodyPr>
           <a:lstStyle/>
           <a:p>
-            <a:pPr lvl="0" algn="ctr">
+            <a:pPr lvl="0">
               <a:buClr>
                 <a:srgbClr val="003565"/>
               </a:buClr>
@@ -4721,7 +4971,7 @@
                 <a:solidFill>
                   <a:schemeClr val="tx1"/>
                 </a:solidFill>
-                <a:latin typeface="Century Gothic" panose="020B0502020202020204" pitchFamily="34" charset="0"/>
+                <a:latin typeface="Atkinson Hyperlegible" pitchFamily="2" charset="0"/>
                 <a:ea typeface="Ubuntu"/>
                 <a:cs typeface="Ubuntu"/>
                 <a:sym typeface="Ubuntu"/>
@@ -4733,7 +4983,7 @@
                 <a:solidFill>
                   <a:schemeClr val="tx1"/>
                 </a:solidFill>
-                <a:latin typeface="Century Gothic" panose="020B0502020202020204" pitchFamily="34" charset="0"/>
+                <a:latin typeface="Atkinson Hyperlegible" pitchFamily="2" charset="0"/>
                 <a:ea typeface="Ubuntu"/>
                 <a:cs typeface="Ubuntu"/>
                 <a:sym typeface="Ubuntu"/>
@@ -4745,7 +4995,7 @@
                 <a:solidFill>
                   <a:schemeClr val="tx1"/>
                 </a:solidFill>
-                <a:latin typeface="Century Gothic" panose="020B0502020202020204" pitchFamily="34" charset="0"/>
+                <a:latin typeface="Atkinson Hyperlegible" pitchFamily="2" charset="0"/>
                 <a:ea typeface="Ubuntu"/>
                 <a:cs typeface="Ubuntu"/>
                 <a:sym typeface="Ubuntu"/>
@@ -4897,8 +5147,9 @@
             <a:bodyPr rtlCol="0" anchor="ctr"/>
             <a:lstStyle/>
             <a:p>
-              <a:pPr algn="ctr"/>
-              <a:endParaRPr lang="en-GB"/>
+              <a:endParaRPr lang="en-GB">
+                <a:latin typeface="Atkinson Hyperlegible" pitchFamily="2" charset="0"/>
+              </a:endParaRPr>
             </a:p>
           </p:txBody>
         </p:sp>
@@ -4991,8 +5242,9 @@
             <a:bodyPr rtlCol="0" anchor="ctr"/>
             <a:lstStyle/>
             <a:p>
-              <a:pPr algn="ctr"/>
-              <a:endParaRPr lang="en-GB"/>
+              <a:endParaRPr lang="en-GB">
+                <a:latin typeface="Atkinson Hyperlegible" pitchFamily="2" charset="0"/>
+              </a:endParaRPr>
             </a:p>
           </p:txBody>
         </p:sp>
@@ -5045,8 +5297,9 @@
             <a:bodyPr rtlCol="0" anchor="ctr"/>
             <a:lstStyle/>
             <a:p>
-              <a:pPr algn="ctr"/>
-              <a:endParaRPr lang="en-GB"/>
+              <a:endParaRPr lang="en-GB">
+                <a:latin typeface="Atkinson Hyperlegible" pitchFamily="2" charset="0"/>
+              </a:endParaRPr>
             </a:p>
           </p:txBody>
         </p:sp>
@@ -5108,8 +5361,9 @@
             <a:bodyPr rtlCol="0" anchor="ctr"/>
             <a:lstStyle/>
             <a:p>
-              <a:pPr algn="ctr"/>
-              <a:endParaRPr lang="en-GB"/>
+              <a:endParaRPr lang="en-GB">
+                <a:latin typeface="Atkinson Hyperlegible" pitchFamily="2" charset="0"/>
+              </a:endParaRPr>
             </a:p>
           </p:txBody>
         </p:sp>
@@ -5202,8 +5456,9 @@
             <a:bodyPr rtlCol="0" anchor="ctr"/>
             <a:lstStyle/>
             <a:p>
-              <a:pPr algn="ctr"/>
-              <a:endParaRPr lang="en-GB"/>
+              <a:endParaRPr lang="en-GB">
+                <a:latin typeface="Atkinson Hyperlegible" pitchFamily="2" charset="0"/>
+              </a:endParaRPr>
             </a:p>
           </p:txBody>
         </p:sp>
@@ -5253,8 +5508,9 @@
             <a:bodyPr rtlCol="0" anchor="ctr"/>
             <a:lstStyle/>
             <a:p>
-              <a:pPr algn="ctr"/>
-              <a:endParaRPr lang="en-GB"/>
+              <a:endParaRPr lang="en-GB">
+                <a:latin typeface="Atkinson Hyperlegible" pitchFamily="2" charset="0"/>
+              </a:endParaRPr>
             </a:p>
           </p:txBody>
         </p:sp>
@@ -5319,8 +5575,9 @@
             <a:bodyPr rtlCol="0" anchor="ctr"/>
             <a:lstStyle/>
             <a:p>
-              <a:pPr algn="ctr"/>
-              <a:endParaRPr lang="en-GB"/>
+              <a:endParaRPr lang="en-GB">
+                <a:latin typeface="Atkinson Hyperlegible" pitchFamily="2" charset="0"/>
+              </a:endParaRPr>
             </a:p>
           </p:txBody>
         </p:sp>
@@ -5413,8 +5670,9 @@
             <a:bodyPr rtlCol="0" anchor="ctr"/>
             <a:lstStyle/>
             <a:p>
-              <a:pPr algn="ctr"/>
-              <a:endParaRPr lang="en-GB"/>
+              <a:endParaRPr lang="en-GB">
+                <a:latin typeface="Atkinson Hyperlegible" pitchFamily="2" charset="0"/>
+              </a:endParaRPr>
             </a:p>
           </p:txBody>
         </p:sp>
@@ -5467,8 +5725,9 @@
             <a:bodyPr rtlCol="0" anchor="ctr"/>
             <a:lstStyle/>
             <a:p>
-              <a:pPr algn="ctr"/>
-              <a:endParaRPr lang="en-GB"/>
+              <a:endParaRPr lang="en-GB">
+                <a:latin typeface="Atkinson Hyperlegible" pitchFamily="2" charset="0"/>
+              </a:endParaRPr>
             </a:p>
           </p:txBody>
         </p:sp>
@@ -5530,8 +5789,9 @@
             <a:bodyPr rtlCol="0" anchor="ctr"/>
             <a:lstStyle/>
             <a:p>
-              <a:pPr algn="ctr"/>
-              <a:endParaRPr lang="en-GB"/>
+              <a:endParaRPr lang="en-GB">
+                <a:latin typeface="Atkinson Hyperlegible" pitchFamily="2" charset="0"/>
+              </a:endParaRPr>
             </a:p>
           </p:txBody>
         </p:sp>
@@ -5624,8 +5884,9 @@
             <a:bodyPr rtlCol="0" anchor="ctr"/>
             <a:lstStyle/>
             <a:p>
-              <a:pPr algn="ctr"/>
-              <a:endParaRPr lang="en-GB"/>
+              <a:endParaRPr lang="en-GB">
+                <a:latin typeface="Atkinson Hyperlegible" pitchFamily="2" charset="0"/>
+              </a:endParaRPr>
             </a:p>
           </p:txBody>
         </p:sp>
@@ -5675,8 +5936,9 @@
             <a:bodyPr rtlCol="0" anchor="ctr"/>
             <a:lstStyle/>
             <a:p>
-              <a:pPr algn="ctr"/>
-              <a:endParaRPr lang="en-GB"/>
+              <a:endParaRPr lang="en-GB">
+                <a:latin typeface="Atkinson Hyperlegible" pitchFamily="2" charset="0"/>
+              </a:endParaRPr>
             </a:p>
           </p:txBody>
         </p:sp>
@@ -5780,8 +6042,9 @@
           <a:bodyPr rtlCol="0" anchor="ctr"/>
           <a:lstStyle/>
           <a:p>
-            <a:pPr algn="ctr"/>
-            <a:endParaRPr lang="en-GB"/>
+            <a:endParaRPr lang="en-GB">
+              <a:latin typeface="Atkinson Hyperlegible" pitchFamily="2" charset="0"/>
+            </a:endParaRPr>
           </a:p>
         </p:txBody>
       </p:sp>
@@ -5884,8 +6147,9 @@
           <a:bodyPr rtlCol="0" anchor="ctr"/>
           <a:lstStyle/>
           <a:p>
-            <a:pPr algn="ctr"/>
-            <a:endParaRPr lang="en-GB"/>
+            <a:endParaRPr lang="en-GB">
+              <a:latin typeface="Atkinson Hyperlegible" pitchFamily="2" charset="0"/>
+            </a:endParaRPr>
           </a:p>
         </p:txBody>
       </p:sp>
@@ -5920,7 +6184,7 @@
           </a:bodyPr>
           <a:lstStyle/>
           <a:p>
-            <a:pPr lvl="0" algn="ctr">
+            <a:pPr lvl="0">
               <a:buClr>
                 <a:srgbClr val="003565"/>
               </a:buClr>
@@ -5931,7 +6195,7 @@
                 <a:solidFill>
                   <a:schemeClr val="tx1"/>
                 </a:solidFill>
-                <a:latin typeface="Century Gothic" panose="020B0502020202020204" pitchFamily="34" charset="0"/>
+                <a:latin typeface="Atkinson Hyperlegible" pitchFamily="2" charset="0"/>
                 <a:ea typeface="Ubuntu"/>
                 <a:cs typeface="Ubuntu"/>
                 <a:sym typeface="Ubuntu"/>
@@ -5943,7 +6207,7 @@
                 <a:solidFill>
                   <a:schemeClr val="tx1"/>
                 </a:solidFill>
-                <a:latin typeface="Century Gothic" panose="020B0502020202020204" pitchFamily="34" charset="0"/>
+                <a:latin typeface="Atkinson Hyperlegible" pitchFamily="2" charset="0"/>
                 <a:ea typeface="Ubuntu"/>
                 <a:cs typeface="Ubuntu"/>
                 <a:sym typeface="Ubuntu"/>
@@ -5955,7 +6219,7 @@
                 <a:solidFill>
                   <a:schemeClr val="tx1"/>
                 </a:solidFill>
-                <a:latin typeface="Century Gothic" panose="020B0502020202020204" pitchFamily="34" charset="0"/>
+                <a:latin typeface="Atkinson Hyperlegible" pitchFamily="2" charset="0"/>
                 <a:ea typeface="Ubuntu"/>
                 <a:cs typeface="Ubuntu"/>
                 <a:sym typeface="Ubuntu"/>
@@ -6030,7 +6294,9 @@
               <a:buNone/>
             </a:pPr>
             <a:r>
-              <a:rPr lang="en-GB" dirty="0"/>
+              <a:rPr lang="en-GB" dirty="0">
+                <a:latin typeface="Atkinson Hyperlegible" pitchFamily="2" charset="0"/>
+              </a:rPr>
               <a:t>Protocols</a:t>
             </a:r>
           </a:p>
@@ -6067,7 +6333,7 @@
           </a:bodyPr>
           <a:lstStyle/>
           <a:p>
-            <a:pPr lvl="0" algn="ctr">
+            <a:pPr lvl="0">
               <a:buClr>
                 <a:srgbClr val="003565"/>
               </a:buClr>
@@ -6078,7 +6344,7 @@
                 <a:solidFill>
                   <a:schemeClr val="tx1"/>
                 </a:solidFill>
-                <a:latin typeface="Century Gothic" panose="020B0502020202020204" pitchFamily="34" charset="0"/>
+                <a:latin typeface="Atkinson Hyperlegible" pitchFamily="2" charset="0"/>
                 <a:ea typeface="Ubuntu"/>
                 <a:cs typeface="Ubuntu"/>
                 <a:sym typeface="Ubuntu"/>
@@ -6119,7 +6385,7 @@
           </a:bodyPr>
           <a:lstStyle/>
           <a:p>
-            <a:pPr lvl="0" algn="ctr">
+            <a:pPr lvl="0">
               <a:buClr>
                 <a:srgbClr val="003565"/>
               </a:buClr>
@@ -6130,7 +6396,7 @@
                 <a:solidFill>
                   <a:schemeClr val="tx1"/>
                 </a:solidFill>
-                <a:latin typeface="Century Gothic" panose="020B0502020202020204" pitchFamily="34" charset="0"/>
+                <a:latin typeface="Atkinson Hyperlegible" pitchFamily="2" charset="0"/>
                 <a:ea typeface="Ubuntu"/>
                 <a:cs typeface="Ubuntu"/>
                 <a:sym typeface="Ubuntu"/>
@@ -6171,7 +6437,7 @@
           </a:bodyPr>
           <a:lstStyle/>
           <a:p>
-            <a:pPr lvl="0" algn="ctr">
+            <a:pPr lvl="0">
               <a:buClr>
                 <a:srgbClr val="003565"/>
               </a:buClr>
@@ -6182,7 +6448,7 @@
                 <a:solidFill>
                   <a:srgbClr val="5CB244"/>
                 </a:solidFill>
-                <a:latin typeface="Century Gothic" panose="020B0502020202020204" pitchFamily="34" charset="0"/>
+                <a:latin typeface="Atkinson Hyperlegible" pitchFamily="2" charset="0"/>
                 <a:ea typeface="Ubuntu"/>
                 <a:cs typeface="Ubuntu"/>
                 <a:sym typeface="Ubuntu"/>
@@ -6191,7 +6457,7 @@
             </a:r>
           </a:p>
           <a:p>
-            <a:pPr lvl="0" algn="ctr">
+            <a:pPr lvl="0">
               <a:buClr>
                 <a:srgbClr val="003565"/>
               </a:buClr>
@@ -6202,7 +6468,7 @@
                 <a:solidFill>
                   <a:srgbClr val="5CB244"/>
                 </a:solidFill>
-                <a:latin typeface="Century Gothic" panose="020B0502020202020204" pitchFamily="34" charset="0"/>
+                <a:latin typeface="Atkinson Hyperlegible" pitchFamily="2" charset="0"/>
                 <a:ea typeface="Ubuntu"/>
                 <a:cs typeface="Ubuntu"/>
                 <a:sym typeface="Ubuntu"/>
@@ -6211,7 +6477,7 @@
             </a:r>
           </a:p>
           <a:p>
-            <a:pPr lvl="0" algn="ctr">
+            <a:pPr lvl="0">
               <a:buClr>
                 <a:srgbClr val="003565"/>
               </a:buClr>
@@ -6222,7 +6488,7 @@
                 <a:solidFill>
                   <a:srgbClr val="5CB244"/>
                 </a:solidFill>
-                <a:latin typeface="Century Gothic" panose="020B0502020202020204" pitchFamily="34" charset="0"/>
+                <a:latin typeface="Atkinson Hyperlegible" pitchFamily="2" charset="0"/>
                 <a:ea typeface="Ubuntu"/>
                 <a:cs typeface="Ubuntu"/>
                 <a:sym typeface="Ubuntu"/>
@@ -6231,7 +6497,7 @@
             </a:r>
           </a:p>
           <a:p>
-            <a:pPr lvl="0" algn="ctr">
+            <a:pPr lvl="0">
               <a:buClr>
                 <a:srgbClr val="003565"/>
               </a:buClr>
@@ -6242,7 +6508,7 @@
                 <a:solidFill>
                   <a:srgbClr val="5CB244"/>
                 </a:solidFill>
-                <a:latin typeface="Century Gothic" panose="020B0502020202020204" pitchFamily="34" charset="0"/>
+                <a:latin typeface="Atkinson Hyperlegible" pitchFamily="2" charset="0"/>
                 <a:ea typeface="Ubuntu"/>
                 <a:cs typeface="Ubuntu"/>
                 <a:sym typeface="Ubuntu"/>
@@ -6317,7 +6583,9 @@
               <a:buNone/>
             </a:pPr>
             <a:r>
-              <a:rPr lang="en-GB" dirty="0"/>
+              <a:rPr lang="en-GB" dirty="0">
+                <a:latin typeface="Atkinson Hyperlegible" pitchFamily="2" charset="0"/>
+              </a:rPr>
               <a:t>Activity 6.1</a:t>
             </a:r>
           </a:p>
@@ -6354,7 +6622,7 @@
           </a:bodyPr>
           <a:lstStyle/>
           <a:p>
-            <a:pPr lvl="0" algn="ctr">
+            <a:pPr lvl="0">
               <a:buClr>
                 <a:srgbClr val="003565"/>
               </a:buClr>
@@ -6365,7 +6633,7 @@
                 <a:solidFill>
                   <a:schemeClr val="tx1"/>
                 </a:solidFill>
-                <a:latin typeface="Century Gothic" panose="020B0502020202020204" pitchFamily="34" charset="0"/>
+                <a:latin typeface="Atkinson Hyperlegible" pitchFamily="2" charset="0"/>
                 <a:ea typeface="Ubuntu"/>
                 <a:cs typeface="Ubuntu"/>
                 <a:sym typeface="Ubuntu"/>
@@ -7255,7 +7523,9 @@
               <a:buNone/>
             </a:pPr>
             <a:r>
-              <a:rPr lang="en-GB" dirty="0"/>
+              <a:rPr lang="en-GB" dirty="0">
+                <a:latin typeface="Atkinson Hyperlegible" pitchFamily="2" charset="0"/>
+              </a:rPr>
               <a:t>Writing the Protocol</a:t>
             </a:r>
           </a:p>
@@ -7292,7 +7562,7 @@
           </a:bodyPr>
           <a:lstStyle/>
           <a:p>
-            <a:pPr lvl="0" algn="ctr">
+            <a:pPr lvl="0">
               <a:buClr>
                 <a:srgbClr val="003565"/>
               </a:buClr>
@@ -7303,7 +7573,7 @@
                 <a:solidFill>
                   <a:schemeClr val="tx1"/>
                 </a:solidFill>
-                <a:latin typeface="Century Gothic" panose="020B0502020202020204" pitchFamily="34" charset="0"/>
+                <a:latin typeface="Atkinson Hyperlegible" pitchFamily="2" charset="0"/>
                 <a:ea typeface="Ubuntu"/>
                 <a:cs typeface="Ubuntu"/>
                 <a:sym typeface="Ubuntu"/>
@@ -7315,7 +7585,7 @@
                 <a:solidFill>
                   <a:schemeClr val="tx1"/>
                 </a:solidFill>
-                <a:latin typeface="Century Gothic" panose="020B0502020202020204" pitchFamily="34" charset="0"/>
+                <a:latin typeface="Atkinson Hyperlegible" pitchFamily="2" charset="0"/>
                 <a:ea typeface="Ubuntu"/>
                 <a:cs typeface="Ubuntu"/>
                 <a:sym typeface="Ubuntu"/>
@@ -7327,7 +7597,7 @@
                 <a:solidFill>
                   <a:schemeClr val="tx1"/>
                 </a:solidFill>
-                <a:latin typeface="Century Gothic" panose="020B0502020202020204" pitchFamily="34" charset="0"/>
+                <a:latin typeface="Atkinson Hyperlegible" pitchFamily="2" charset="0"/>
                 <a:ea typeface="Ubuntu"/>
                 <a:cs typeface="Ubuntu"/>
                 <a:sym typeface="Ubuntu"/>
@@ -7368,7 +7638,7 @@
           </a:bodyPr>
           <a:lstStyle/>
           <a:p>
-            <a:pPr lvl="0" algn="ctr">
+            <a:pPr lvl="0">
               <a:buClr>
                 <a:srgbClr val="003565"/>
               </a:buClr>
@@ -7379,7 +7649,7 @@
                 <a:solidFill>
                   <a:srgbClr val="C00000"/>
                 </a:solidFill>
-                <a:latin typeface="Century Gothic" panose="020B0502020202020204" pitchFamily="34" charset="0"/>
+                <a:latin typeface="Atkinson Hyperlegible" pitchFamily="2" charset="0"/>
                 <a:ea typeface="Ubuntu"/>
                 <a:cs typeface="Ubuntu"/>
                 <a:sym typeface="Ubuntu"/>
@@ -7391,7 +7661,7 @@
                 <a:solidFill>
                   <a:srgbClr val="C00000"/>
                 </a:solidFill>
-                <a:latin typeface="Century Gothic" panose="020B0502020202020204" pitchFamily="34" charset="0"/>
+                <a:latin typeface="Atkinson Hyperlegible" pitchFamily="2" charset="0"/>
                 <a:ea typeface="Ubuntu"/>
                 <a:cs typeface="Ubuntu"/>
                 <a:sym typeface="Ubuntu"/>
@@ -7403,7 +7673,7 @@
                 <a:solidFill>
                   <a:srgbClr val="C00000"/>
                 </a:solidFill>
-                <a:latin typeface="Century Gothic" panose="020B0502020202020204" pitchFamily="34" charset="0"/>
+                <a:latin typeface="Atkinson Hyperlegible" pitchFamily="2" charset="0"/>
                 <a:ea typeface="Ubuntu"/>
                 <a:cs typeface="Ubuntu"/>
                 <a:sym typeface="Ubuntu"/>
@@ -7444,7 +7714,7 @@
           </a:bodyPr>
           <a:lstStyle/>
           <a:p>
-            <a:pPr lvl="0" algn="ctr">
+            <a:pPr lvl="0">
               <a:buClr>
                 <a:srgbClr val="003565"/>
               </a:buClr>
@@ -7455,7 +7725,7 @@
                 <a:solidFill>
                   <a:schemeClr val="tx1"/>
                 </a:solidFill>
-                <a:latin typeface="Century Gothic" panose="020B0502020202020204" pitchFamily="34" charset="0"/>
+                <a:latin typeface="Atkinson Hyperlegible" pitchFamily="2" charset="0"/>
                 <a:ea typeface="Ubuntu"/>
                 <a:cs typeface="Ubuntu"/>
                 <a:sym typeface="Ubuntu"/>
@@ -7496,7 +7766,7 @@
           </a:bodyPr>
           <a:lstStyle/>
           <a:p>
-            <a:pPr lvl="0" algn="ctr">
+            <a:pPr lvl="0">
               <a:buClr>
                 <a:srgbClr val="003565"/>
               </a:buClr>
@@ -7507,7 +7777,7 @@
                 <a:solidFill>
                   <a:schemeClr val="tx1"/>
                 </a:solidFill>
-                <a:latin typeface="Century Gothic" panose="020B0502020202020204" pitchFamily="34" charset="0"/>
+                <a:latin typeface="Atkinson Hyperlegible" pitchFamily="2" charset="0"/>
                 <a:ea typeface="Ubuntu"/>
                 <a:cs typeface="Ubuntu"/>
                 <a:sym typeface="Ubuntu"/>
@@ -7606,7 +7876,9 @@
               <a:buNone/>
             </a:pPr>
             <a:r>
-              <a:rPr lang="en-GB" dirty="0"/>
+              <a:rPr lang="en-GB" dirty="0">
+                <a:latin typeface="Atkinson Hyperlegible" pitchFamily="2" charset="0"/>
+              </a:rPr>
               <a:t>Activity 6.2</a:t>
             </a:r>
           </a:p>
@@ -7643,7 +7915,7 @@
           </a:bodyPr>
           <a:lstStyle/>
           <a:p>
-            <a:pPr lvl="0" algn="ctr">
+            <a:pPr lvl="0">
               <a:buClr>
                 <a:srgbClr val="003565"/>
               </a:buClr>
@@ -7654,7 +7926,7 @@
                 <a:solidFill>
                   <a:schemeClr val="tx1"/>
                 </a:solidFill>
-                <a:latin typeface="Century Gothic" panose="020B0502020202020204" pitchFamily="34" charset="0"/>
+                <a:latin typeface="Atkinson Hyperlegible" pitchFamily="2" charset="0"/>
                 <a:ea typeface="Ubuntu"/>
                 <a:cs typeface="Ubuntu"/>
                 <a:sym typeface="Ubuntu"/>
@@ -7695,7 +7967,7 @@
           </a:bodyPr>
           <a:lstStyle/>
           <a:p>
-            <a:pPr lvl="0" algn="ctr">
+            <a:pPr lvl="0">
               <a:buClr>
                 <a:srgbClr val="003565"/>
               </a:buClr>
@@ -7706,7 +7978,7 @@
                 <a:solidFill>
                   <a:schemeClr val="tx1"/>
                 </a:solidFill>
-                <a:latin typeface="Century Gothic" panose="020B0502020202020204" pitchFamily="34" charset="0"/>
+                <a:latin typeface="Atkinson Hyperlegible" pitchFamily="2" charset="0"/>
                 <a:ea typeface="Ubuntu"/>
                 <a:cs typeface="Ubuntu"/>
                 <a:sym typeface="Ubuntu"/>
@@ -7781,7 +8053,9 @@
               <a:buNone/>
             </a:pPr>
             <a:r>
-              <a:rPr lang="en-GB" dirty="0"/>
+              <a:rPr lang="en-GB" dirty="0">
+                <a:latin typeface="Atkinson Hyperlegible" pitchFamily="2" charset="0"/>
+              </a:rPr>
               <a:t>Representing Characters</a:t>
             </a:r>
           </a:p>
@@ -7818,7 +8092,7 @@
           </a:bodyPr>
           <a:lstStyle/>
           <a:p>
-            <a:pPr lvl="0" algn="ctr">
+            <a:pPr lvl="0">
               <a:buClr>
                 <a:srgbClr val="003565"/>
               </a:buClr>
@@ -7829,7 +8103,7 @@
                 <a:solidFill>
                   <a:schemeClr val="tx1"/>
                 </a:solidFill>
-                <a:latin typeface="Century Gothic" panose="020B0502020202020204" pitchFamily="34" charset="0"/>
+                <a:latin typeface="Atkinson Hyperlegible" pitchFamily="2" charset="0"/>
                 <a:ea typeface="Ubuntu"/>
                 <a:cs typeface="Ubuntu"/>
                 <a:sym typeface="Ubuntu"/>
@@ -7841,7 +8115,7 @@
                 <a:solidFill>
                   <a:schemeClr val="tx1"/>
                 </a:solidFill>
-                <a:latin typeface="Century Gothic" panose="020B0502020202020204" pitchFamily="34" charset="0"/>
+                <a:latin typeface="Atkinson Hyperlegible" pitchFamily="2" charset="0"/>
                 <a:ea typeface="Ubuntu"/>
                 <a:cs typeface="Ubuntu"/>
                 <a:sym typeface="Ubuntu"/>
@@ -7853,7 +8127,7 @@
                 <a:solidFill>
                   <a:schemeClr val="tx1"/>
                 </a:solidFill>
-                <a:latin typeface="Century Gothic" panose="020B0502020202020204" pitchFamily="34" charset="0"/>
+                <a:latin typeface="Atkinson Hyperlegible" pitchFamily="2" charset="0"/>
                 <a:ea typeface="Ubuntu"/>
                 <a:cs typeface="Ubuntu"/>
                 <a:sym typeface="Ubuntu"/>
@@ -7894,7 +8168,7 @@
           </a:bodyPr>
           <a:lstStyle/>
           <a:p>
-            <a:pPr lvl="0" algn="ctr">
+            <a:pPr lvl="0">
               <a:buClr>
                 <a:srgbClr val="003565"/>
               </a:buClr>
@@ -7905,7 +8179,7 @@
                 <a:solidFill>
                   <a:schemeClr val="tx1"/>
                 </a:solidFill>
-                <a:latin typeface="Century Gothic" panose="020B0502020202020204" pitchFamily="34" charset="0"/>
+                <a:latin typeface="Atkinson Hyperlegible" pitchFamily="2" charset="0"/>
                 <a:ea typeface="Ubuntu"/>
                 <a:cs typeface="Ubuntu"/>
                 <a:sym typeface="Ubuntu"/>
@@ -11059,7 +11333,7 @@
           </a:bodyPr>
           <a:lstStyle/>
           <a:p>
-            <a:pPr lvl="0" algn="ctr">
+            <a:pPr lvl="0">
               <a:buClr>
                 <a:srgbClr val="003565"/>
               </a:buClr>
@@ -11070,7 +11344,7 @@
                 <a:solidFill>
                   <a:schemeClr val="tx1"/>
                 </a:solidFill>
-                <a:latin typeface="Century Gothic" panose="020B0502020202020204" pitchFamily="34" charset="0"/>
+                <a:latin typeface="Atkinson Hyperlegible" pitchFamily="2" charset="0"/>
                 <a:ea typeface="Ubuntu"/>
                 <a:cs typeface="Ubuntu"/>
                 <a:sym typeface="Ubuntu"/>
@@ -11145,7 +11419,9 @@
               <a:buNone/>
             </a:pPr>
             <a:r>
-              <a:rPr lang="en-GB" dirty="0"/>
+              <a:rPr lang="en-GB" dirty="0">
+                <a:latin typeface="Atkinson Hyperlegible" pitchFamily="2" charset="0"/>
+              </a:rPr>
               <a:t>Activity 6.3</a:t>
             </a:r>
           </a:p>
@@ -11182,7 +11458,7 @@
           </a:bodyPr>
           <a:lstStyle/>
           <a:p>
-            <a:pPr lvl="0" algn="ctr">
+            <a:pPr lvl="0">
               <a:buClr>
                 <a:srgbClr val="003565"/>
               </a:buClr>
@@ -11193,7 +11469,7 @@
                 <a:solidFill>
                   <a:schemeClr val="tx1"/>
                 </a:solidFill>
-                <a:latin typeface="Century Gothic" panose="020B0502020202020204" pitchFamily="34" charset="0"/>
+                <a:latin typeface="Atkinson Hyperlegible" pitchFamily="2" charset="0"/>
                 <a:ea typeface="Ubuntu"/>
                 <a:cs typeface="Ubuntu"/>
                 <a:sym typeface="Ubuntu"/>
@@ -12500,7 +12776,9 @@
               <a:buNone/>
             </a:pPr>
             <a:r>
-              <a:rPr lang="en-GB" dirty="0"/>
+              <a:rPr lang="en-GB" dirty="0">
+                <a:latin typeface="Atkinson Hyperlegible" pitchFamily="2" charset="0"/>
+              </a:rPr>
               <a:t>Automatic Conversion</a:t>
             </a:r>
           </a:p>
@@ -12537,7 +12815,7 @@
           </a:bodyPr>
           <a:lstStyle/>
           <a:p>
-            <a:pPr lvl="0" algn="ctr">
+            <a:pPr lvl="0">
               <a:buClr>
                 <a:srgbClr val="003565"/>
               </a:buClr>
@@ -12548,7 +12826,7 @@
                 <a:solidFill>
                   <a:schemeClr val="tx1"/>
                 </a:solidFill>
-                <a:latin typeface="Century Gothic" panose="020B0502020202020204" pitchFamily="34" charset="0"/>
+                <a:latin typeface="Atkinson Hyperlegible" pitchFamily="2" charset="0"/>
                 <a:ea typeface="Ubuntu"/>
                 <a:cs typeface="Ubuntu"/>
                 <a:sym typeface="Ubuntu"/>
@@ -12589,7 +12867,7 @@
           </a:bodyPr>
           <a:lstStyle/>
           <a:p>
-            <a:pPr lvl="0" algn="ctr">
+            <a:pPr lvl="0">
               <a:buClr>
                 <a:srgbClr val="003565"/>
               </a:buClr>
@@ -12600,7 +12878,7 @@
                 <a:solidFill>
                   <a:schemeClr val="tx1"/>
                 </a:solidFill>
-                <a:latin typeface="Century Gothic" panose="020B0502020202020204" pitchFamily="34" charset="0"/>
+                <a:latin typeface="Atkinson Hyperlegible" pitchFamily="2" charset="0"/>
                 <a:ea typeface="Ubuntu"/>
                 <a:cs typeface="Ubuntu"/>
                 <a:sym typeface="Ubuntu"/>
@@ -12641,7 +12919,7 @@
           </a:bodyPr>
           <a:lstStyle/>
           <a:p>
-            <a:pPr lvl="0" algn="ctr">
+            <a:pPr lvl="0">
               <a:buClr>
                 <a:srgbClr val="003565"/>
               </a:buClr>
@@ -12652,7 +12930,7 @@
                 <a:solidFill>
                   <a:schemeClr val="tx1"/>
                 </a:solidFill>
-                <a:latin typeface="Century Gothic" panose="020B0502020202020204" pitchFamily="34" charset="0"/>
+                <a:latin typeface="Atkinson Hyperlegible" pitchFamily="2" charset="0"/>
                 <a:ea typeface="Ubuntu"/>
                 <a:cs typeface="Ubuntu"/>
                 <a:sym typeface="Ubuntu"/>
@@ -12727,8 +13005,9 @@
           <a:bodyPr rtlCol="0" anchor="ctr"/>
           <a:lstStyle/>
           <a:p>
-            <a:pPr algn="ctr"/>
-            <a:endParaRPr lang="en-GB"/>
+            <a:endParaRPr lang="en-GB">
+              <a:latin typeface="Atkinson Hyperlegible" pitchFamily="2" charset="0"/>
+            </a:endParaRPr>
           </a:p>
         </p:txBody>
       </p:sp>
@@ -12773,8 +13052,9 @@
           <a:bodyPr rtlCol="0" anchor="ctr"/>
           <a:lstStyle/>
           <a:p>
-            <a:pPr algn="ctr"/>
-            <a:endParaRPr lang="en-GB"/>
+            <a:endParaRPr lang="en-GB">
+              <a:latin typeface="Atkinson Hyperlegible" pitchFamily="2" charset="0"/>
+            </a:endParaRPr>
           </a:p>
         </p:txBody>
       </p:sp>
@@ -12819,8 +13099,9 @@
           <a:bodyPr rtlCol="0" anchor="ctr"/>
           <a:lstStyle/>
           <a:p>
-            <a:pPr algn="ctr"/>
-            <a:endParaRPr lang="en-GB"/>
+            <a:endParaRPr lang="en-GB">
+              <a:latin typeface="Atkinson Hyperlegible" pitchFamily="2" charset="0"/>
+            </a:endParaRPr>
           </a:p>
         </p:txBody>
       </p:sp>
@@ -12855,7 +13136,7 @@
           </a:bodyPr>
           <a:lstStyle/>
           <a:p>
-            <a:pPr lvl="0" algn="ctr">
+            <a:pPr lvl="0">
               <a:buClr>
                 <a:srgbClr val="003565"/>
               </a:buClr>
@@ -12866,7 +13147,7 @@
                 <a:solidFill>
                   <a:schemeClr val="tx1"/>
                 </a:solidFill>
-                <a:latin typeface="Century Gothic" panose="020B0502020202020204" pitchFamily="34" charset="0"/>
+                <a:latin typeface="Atkinson Hyperlegible" pitchFamily="2" charset="0"/>
                 <a:ea typeface="Ubuntu"/>
                 <a:cs typeface="Ubuntu"/>
                 <a:sym typeface="Ubuntu"/>
